--- a/Textmining/resentation.pptx
+++ b/Textmining/resentation.pptx
@@ -108,6 +108,11 @@
       </a:defRPr>
     </a:lvl9pPr>
   </p:defaultTextStyle>
+  <p:extLst>
+    <p:ext uri="{EFAFB233-063F-42B5-8137-9DF3F51BA10A}">
+      <p15:sldGuideLst xmlns:p15="http://schemas.microsoft.com/office/powerpoint/2012/main"/>
+    </p:ext>
+  </p:extLst>
 </p:presentation>
 </file>
 
@@ -4348,10 +4353,13 @@
           <a:bodyPr/>
           <a:lstStyle/>
           <a:p>
-            <a:endParaRPr lang="en-US" dirty="0">
-              <a:latin typeface="Times New Roman" panose="02020603050405020304" pitchFamily="18" charset="0"/>
-              <a:cs typeface="Times New Roman" panose="02020603050405020304" pitchFamily="18" charset="0"/>
-            </a:endParaRPr>
+            <a:r>
+              <a:rPr lang="en-US" dirty="0">
+                <a:latin typeface="Times New Roman" panose="02020603050405020304" pitchFamily="18" charset="0"/>
+                <a:cs typeface="Times New Roman" panose="02020603050405020304" pitchFamily="18" charset="0"/>
+              </a:rPr>
+              <a:t>Data Processing</a:t>
+            </a:r>
           </a:p>
         </p:txBody>
       </p:sp>
@@ -4375,6 +4383,22 @@
         <p:txBody>
           <a:bodyPr/>
           <a:lstStyle/>
+          <a:p>
+            <a:r>
+              <a:rPr lang="en-US" dirty="0">
+                <a:latin typeface="Times New Roman" panose="02020603050405020304" pitchFamily="18" charset="0"/>
+                <a:cs typeface="Times New Roman" panose="02020603050405020304" pitchFamily="18" charset="0"/>
+              </a:rPr>
+              <a:t>Start from </a:t>
+            </a:r>
+            <a:r>
+              <a:rPr lang="en-US">
+                <a:latin typeface="Times New Roman" panose="02020603050405020304" pitchFamily="18" charset="0"/>
+                <a:cs typeface="Times New Roman" panose="02020603050405020304" pitchFamily="18" charset="0"/>
+              </a:rPr>
+              <a:t>same date</a:t>
+            </a:r>
+          </a:p>
           <a:p>
             <a:endParaRPr lang="en-US" dirty="0">
               <a:latin typeface="Times New Roman" panose="02020603050405020304" pitchFamily="18" charset="0"/>
